--- a/Centrale_2019/images/Figures.pptx
+++ b/Centrale_2019/images/Figures.pptx
@@ -10414,8 +10414,8 @@
           </p:sp>
         </mc:Fallback>
       </mc:AlternateContent>
-      <mc:AlternateContent xmlns:mc="http://schemas.openxmlformats.org/markup-compatibility/2006" xmlns:a14="http://schemas.microsoft.com/office/drawing/2010/main">
-        <mc:Choice Requires="a14">
+      <mc:AlternateContent xmlns:mc="http://schemas.openxmlformats.org/markup-compatibility/2006">
+        <mc:Choice xmlns:a14="http://schemas.microsoft.com/office/drawing/2010/main" Requires="a14">
           <p:sp>
             <p:nvSpPr>
               <p:cNvPr id="70" name="Rectangle 69">
@@ -10430,8 +10430,8 @@
             </p:nvSpPr>
             <p:spPr>
               <a:xfrm>
-                <a:off x="4406684" y="1808956"/>
-                <a:ext cx="571888" cy="307777"/>
+                <a:off x="4364237" y="1808956"/>
+                <a:ext cx="656783" cy="307777"/>
               </a:xfrm>
               <a:prstGeom prst="rect">
                 <a:avLst/>
@@ -10445,60 +10445,54 @@
               <a:p>
                 <a:pPr algn="ctr"/>
                 <a14:m>
-                  <m:oMathPara xmlns:m="http://schemas.openxmlformats.org/officeDocument/2006/math">
-                    <m:oMathParaPr>
-                      <m:jc m:val="centerGroup"/>
-                    </m:oMathParaPr>
-                    <m:oMath xmlns:m="http://schemas.openxmlformats.org/officeDocument/2006/math">
-                      <m:r>
-                        <a:rPr lang="fr-FR" sz="1400" b="0" i="1" smtClean="0">
-                          <a:solidFill>
-                            <a:sysClr val="windowText" lastClr="000000"/>
-                          </a:solidFill>
-                          <a:latin typeface="Cambria Math" panose="02040503050406030204" pitchFamily="18" charset="0"/>
-                        </a:rPr>
-                        <m:t>𝑆</m:t>
-                      </m:r>
-                      <m:r>
-                        <a:rPr lang="fr-FR" sz="1400" i="1">
-                          <a:solidFill>
-                            <a:sysClr val="windowText" lastClr="000000"/>
-                          </a:solidFill>
-                          <a:latin typeface="Cambria Math" panose="02040503050406030204" pitchFamily="18" charset="0"/>
-                        </a:rPr>
-                        <m:t>(</m:t>
-                      </m:r>
-                      <m:r>
-                        <a:rPr lang="fr-FR" sz="1400" i="1">
-                          <a:solidFill>
-                            <a:sysClr val="windowText" lastClr="000000"/>
-                          </a:solidFill>
-                          <a:latin typeface="Cambria Math" panose="02040503050406030204" pitchFamily="18" charset="0"/>
-                        </a:rPr>
-                        <m:t>𝑝</m:t>
-                      </m:r>
-                      <m:r>
-                        <a:rPr lang="fr-FR" sz="1400" i="1">
-                          <a:solidFill>
-                            <a:sysClr val="windowText" lastClr="000000"/>
-                          </a:solidFill>
-                          <a:latin typeface="Cambria Math" panose="02040503050406030204" pitchFamily="18" charset="0"/>
-                        </a:rPr>
-                        <m:t>)</m:t>
-                      </m:r>
-                    </m:oMath>
-                  </m:oMathPara>
+                  <m:oMath xmlns:m="http://schemas.openxmlformats.org/officeDocument/2006/math">
+                    <m:r>
+                      <a:rPr lang="fr-FR" sz="1400" b="0" i="1" smtClean="0">
+                        <a:solidFill>
+                          <a:sysClr val="windowText" lastClr="000000"/>
+                        </a:solidFill>
+                        <a:latin typeface="Cambria Math" panose="02040503050406030204" pitchFamily="18" charset="0"/>
+                      </a:rPr>
+                      <m:t>𝑆</m:t>
+                    </m:r>
+                    <m:d>
+                      <m:dPr>
+                        <m:ctrlPr>
+                          <a:rPr lang="fr-FR" sz="1400" b="0" i="1">
+                            <a:solidFill>
+                              <a:sysClr val="windowText" lastClr="000000"/>
+                            </a:solidFill>
+                            <a:latin typeface="Cambria Math" panose="02040503050406030204" pitchFamily="18" charset="0"/>
+                          </a:rPr>
+                        </m:ctrlPr>
+                      </m:dPr>
+                      <m:e>
+                        <m:r>
+                          <a:rPr lang="fr-FR" sz="1400" i="1">
+                            <a:solidFill>
+                              <a:sysClr val="windowText" lastClr="000000"/>
+                            </a:solidFill>
+                            <a:latin typeface="Cambria Math" panose="02040503050406030204" pitchFamily="18" charset="0"/>
+                          </a:rPr>
+                          <m:t>𝑝</m:t>
+                        </m:r>
+                      </m:e>
+                    </m:d>
+                  </m:oMath>
                 </a14:m>
-                <a:endParaRPr lang="fr-FR" sz="1400" dirty="0">
-                  <a:solidFill>
-                    <a:sysClr val="windowText" lastClr="000000"/>
-                  </a:solidFill>
-                </a:endParaRPr>
+                <a:r>
+                  <a:rPr lang="fr-FR" sz="1400" dirty="0">
+                    <a:solidFill>
+                      <a:sysClr val="windowText" lastClr="000000"/>
+                    </a:solidFill>
+                  </a:rPr>
+                  <a:t> ?</a:t>
+                </a:r>
               </a:p>
             </p:txBody>
           </p:sp>
         </mc:Choice>
-        <mc:Fallback xmlns="">
+        <mc:Fallback>
           <p:sp>
             <p:nvSpPr>
               <p:cNvPr id="70" name="Rectangle 69">
@@ -10515,8 +10509,8 @@
             </p:nvSpPr>
             <p:spPr>
               <a:xfrm>
-                <a:off x="4406684" y="1808956"/>
-                <a:ext cx="571888" cy="307777"/>
+                <a:off x="4364237" y="1808956"/>
+                <a:ext cx="656783" cy="307777"/>
               </a:xfrm>
               <a:prstGeom prst="rect">
                 <a:avLst/>
@@ -10524,7 +10518,7 @@
               <a:blipFill>
                 <a:blip r:embed="rId14"/>
                 <a:stretch>
-                  <a:fillRect b="-8000"/>
+                  <a:fillRect t="-4000" r="-1852" b="-20000"/>
                 </a:stretch>
               </a:blipFill>
             </p:spPr>

--- a/Centrale_2019/images/Figures.pptx
+++ b/Centrale_2019/images/Figures.pptx
@@ -14,6 +14,7 @@
     <p:sldId id="264" r:id="rId8"/>
     <p:sldId id="259" r:id="rId9"/>
     <p:sldId id="261" r:id="rId10"/>
+    <p:sldId id="265" r:id="rId11"/>
   </p:sldIdLst>
   <p:sldSz cx="12192000" cy="6858000"/>
   <p:notesSz cx="6858000" cy="9144000"/>
@@ -267,7 +268,7 @@
           <a:p>
             <a:fld id="{A246378E-A54B-4198-9326-A950FFA5F27A}" type="datetimeFigureOut">
               <a:rPr lang="fr-FR" smtClean="0"/>
-              <a:t>16/06/2019</a:t>
+              <a:t>05/07/2019</a:t>
             </a:fld>
             <a:endParaRPr lang="fr-FR"/>
           </a:p>
@@ -465,7 +466,7 @@
           <a:p>
             <a:fld id="{A246378E-A54B-4198-9326-A950FFA5F27A}" type="datetimeFigureOut">
               <a:rPr lang="fr-FR" smtClean="0"/>
-              <a:t>16/06/2019</a:t>
+              <a:t>05/07/2019</a:t>
             </a:fld>
             <a:endParaRPr lang="fr-FR"/>
           </a:p>
@@ -673,7 +674,7 @@
           <a:p>
             <a:fld id="{A246378E-A54B-4198-9326-A950FFA5F27A}" type="datetimeFigureOut">
               <a:rPr lang="fr-FR" smtClean="0"/>
-              <a:t>16/06/2019</a:t>
+              <a:t>05/07/2019</a:t>
             </a:fld>
             <a:endParaRPr lang="fr-FR"/>
           </a:p>
@@ -871,7 +872,7 @@
           <a:p>
             <a:fld id="{A246378E-A54B-4198-9326-A950FFA5F27A}" type="datetimeFigureOut">
               <a:rPr lang="fr-FR" smtClean="0"/>
-              <a:t>16/06/2019</a:t>
+              <a:t>05/07/2019</a:t>
             </a:fld>
             <a:endParaRPr lang="fr-FR"/>
           </a:p>
@@ -1146,7 +1147,7 @@
           <a:p>
             <a:fld id="{A246378E-A54B-4198-9326-A950FFA5F27A}" type="datetimeFigureOut">
               <a:rPr lang="fr-FR" smtClean="0"/>
-              <a:t>16/06/2019</a:t>
+              <a:t>05/07/2019</a:t>
             </a:fld>
             <a:endParaRPr lang="fr-FR"/>
           </a:p>
@@ -1411,7 +1412,7 @@
           <a:p>
             <a:fld id="{A246378E-A54B-4198-9326-A950FFA5F27A}" type="datetimeFigureOut">
               <a:rPr lang="fr-FR" smtClean="0"/>
-              <a:t>16/06/2019</a:t>
+              <a:t>05/07/2019</a:t>
             </a:fld>
             <a:endParaRPr lang="fr-FR"/>
           </a:p>
@@ -1823,7 +1824,7 @@
           <a:p>
             <a:fld id="{A246378E-A54B-4198-9326-A950FFA5F27A}" type="datetimeFigureOut">
               <a:rPr lang="fr-FR" smtClean="0"/>
-              <a:t>16/06/2019</a:t>
+              <a:t>05/07/2019</a:t>
             </a:fld>
             <a:endParaRPr lang="fr-FR"/>
           </a:p>
@@ -1964,7 +1965,7 @@
           <a:p>
             <a:fld id="{A246378E-A54B-4198-9326-A950FFA5F27A}" type="datetimeFigureOut">
               <a:rPr lang="fr-FR" smtClean="0"/>
-              <a:t>16/06/2019</a:t>
+              <a:t>05/07/2019</a:t>
             </a:fld>
             <a:endParaRPr lang="fr-FR"/>
           </a:p>
@@ -2077,7 +2078,7 @@
           <a:p>
             <a:fld id="{A246378E-A54B-4198-9326-A950FFA5F27A}" type="datetimeFigureOut">
               <a:rPr lang="fr-FR" smtClean="0"/>
-              <a:t>16/06/2019</a:t>
+              <a:t>05/07/2019</a:t>
             </a:fld>
             <a:endParaRPr lang="fr-FR"/>
           </a:p>
@@ -2388,7 +2389,7 @@
           <a:p>
             <a:fld id="{A246378E-A54B-4198-9326-A950FFA5F27A}" type="datetimeFigureOut">
               <a:rPr lang="fr-FR" smtClean="0"/>
-              <a:t>16/06/2019</a:t>
+              <a:t>05/07/2019</a:t>
             </a:fld>
             <a:endParaRPr lang="fr-FR"/>
           </a:p>
@@ -2676,7 +2677,7 @@
           <a:p>
             <a:fld id="{A246378E-A54B-4198-9326-A950FFA5F27A}" type="datetimeFigureOut">
               <a:rPr lang="fr-FR" smtClean="0"/>
-              <a:t>16/06/2019</a:t>
+              <a:t>05/07/2019</a:t>
             </a:fld>
             <a:endParaRPr lang="fr-FR"/>
           </a:p>
@@ -2917,7 +2918,7 @@
           <a:p>
             <a:fld id="{A246378E-A54B-4198-9326-A950FFA5F27A}" type="datetimeFigureOut">
               <a:rPr lang="fr-FR" smtClean="0"/>
-              <a:t>16/06/2019</a:t>
+              <a:t>05/07/2019</a:t>
             </a:fld>
             <a:endParaRPr lang="fr-FR"/>
           </a:p>
@@ -5944,6 +5945,1061 @@
     <p:extLst>
       <p:ext uri="{BB962C8B-B14F-4D97-AF65-F5344CB8AC3E}">
         <p14:creationId xmlns:p14="http://schemas.microsoft.com/office/powerpoint/2010/main" val="1464393217"/>
+      </p:ext>
+    </p:extLst>
+  </p:cSld>
+  <p:clrMapOvr>
+    <a:masterClrMapping/>
+  </p:clrMapOvr>
+</p:sld>
+</file>
+
+<file path=ppt/slides/slide10.xml><?xml version="1.0" encoding="utf-8"?>
+<p:sld xmlns:a="http://schemas.openxmlformats.org/drawingml/2006/main" xmlns:r="http://schemas.openxmlformats.org/officeDocument/2006/relationships" xmlns:p="http://schemas.openxmlformats.org/presentationml/2006/main">
+  <p:cSld>
+    <p:spTree>
+      <p:nvGrpSpPr>
+        <p:cNvPr id="1" name=""/>
+        <p:cNvGrpSpPr/>
+        <p:nvPr/>
+      </p:nvGrpSpPr>
+      <p:grpSpPr>
+        <a:xfrm>
+          <a:off x="0" y="0"/>
+          <a:ext cx="0" cy="0"/>
+          <a:chOff x="0" y="0"/>
+          <a:chExt cx="0" cy="0"/>
+        </a:xfrm>
+      </p:grpSpPr>
+      <p:pic>
+        <p:nvPicPr>
+          <p:cNvPr id="5" name="Image 4"/>
+          <p:cNvPicPr>
+            <a:picLocks noChangeAspect="1"/>
+          </p:cNvPicPr>
+          <p:nvPr/>
+        </p:nvPicPr>
+        <p:blipFill>
+          <a:blip r:embed="rId2">
+            <a:extLst>
+              <a:ext uri="{28A0092B-C50C-407E-A947-70E740481C1C}">
+                <a14:useLocalDpi xmlns:a14="http://schemas.microsoft.com/office/drawing/2010/main" val="0"/>
+              </a:ext>
+            </a:extLst>
+          </a:blip>
+          <a:stretch>
+            <a:fillRect/>
+          </a:stretch>
+        </p:blipFill>
+        <p:spPr>
+          <a:xfrm>
+            <a:off x="3213100" y="177801"/>
+            <a:ext cx="5742432" cy="6479177"/>
+          </a:xfrm>
+          <a:prstGeom prst="rect">
+            <a:avLst/>
+          </a:prstGeom>
+        </p:spPr>
+      </p:pic>
+      <p:cxnSp>
+        <p:nvCxnSpPr>
+          <p:cNvPr id="7" name="Connecteur droit avec flèche 6"/>
+          <p:cNvCxnSpPr/>
+          <p:nvPr/>
+        </p:nvCxnSpPr>
+        <p:spPr>
+          <a:xfrm>
+            <a:off x="6338730" y="1391920"/>
+            <a:ext cx="250030" cy="0"/>
+          </a:xfrm>
+          <a:prstGeom prst="straightConnector1">
+            <a:avLst/>
+          </a:prstGeom>
+          <a:ln w="15875">
+            <a:tailEnd type="triangle"/>
+          </a:ln>
+        </p:spPr>
+        <p:style>
+          <a:lnRef idx="1">
+            <a:schemeClr val="accent1"/>
+          </a:lnRef>
+          <a:fillRef idx="0">
+            <a:schemeClr val="accent1"/>
+          </a:fillRef>
+          <a:effectRef idx="0">
+            <a:schemeClr val="accent1"/>
+          </a:effectRef>
+          <a:fontRef idx="minor">
+            <a:schemeClr val="tx1"/>
+          </a:fontRef>
+        </p:style>
+      </p:cxnSp>
+      <p:sp>
+        <p:nvSpPr>
+          <p:cNvPr id="8" name="ZoneTexte 7"/>
+          <p:cNvSpPr txBox="1"/>
+          <p:nvPr/>
+        </p:nvSpPr>
+        <p:spPr>
+          <a:xfrm>
+            <a:off x="5908627" y="1244088"/>
+            <a:ext cx="514885" cy="307777"/>
+          </a:xfrm>
+          <a:prstGeom prst="rect">
+            <a:avLst/>
+          </a:prstGeom>
+          <a:noFill/>
+        </p:spPr>
+        <p:txBody>
+          <a:bodyPr wrap="none" rtlCol="0">
+            <a:spAutoFit/>
+          </a:bodyPr>
+          <a:lstStyle/>
+          <a:p>
+            <a:r>
+              <a:rPr lang="fr-FR" sz="1400" dirty="0"/>
+              <a:t>Cm1</a:t>
+            </a:r>
+          </a:p>
+        </p:txBody>
+      </p:sp>
+      <p:sp>
+        <p:nvSpPr>
+          <p:cNvPr id="10" name="ZoneTexte 9"/>
+          <p:cNvSpPr txBox="1"/>
+          <p:nvPr/>
+        </p:nvSpPr>
+        <p:spPr>
+          <a:xfrm>
+            <a:off x="5596682" y="1033151"/>
+            <a:ext cx="569387" cy="307777"/>
+          </a:xfrm>
+          <a:prstGeom prst="rect">
+            <a:avLst/>
+          </a:prstGeom>
+          <a:noFill/>
+        </p:spPr>
+        <p:txBody>
+          <a:bodyPr wrap="none" rtlCol="0">
+            <a:spAutoFit/>
+          </a:bodyPr>
+          <a:lstStyle/>
+          <a:p>
+            <a:r>
+              <a:rPr lang="fr-FR" sz="1400" dirty="0"/>
+              <a:t>-Cm1</a:t>
+            </a:r>
+          </a:p>
+        </p:txBody>
+      </p:sp>
+      <p:cxnSp>
+        <p:nvCxnSpPr>
+          <p:cNvPr id="11" name="Connecteur droit avec flèche 10"/>
+          <p:cNvCxnSpPr/>
+          <p:nvPr/>
+        </p:nvCxnSpPr>
+        <p:spPr>
+          <a:xfrm flipH="1" flipV="1">
+            <a:off x="5678434" y="811455"/>
+            <a:ext cx="109234" cy="290671"/>
+          </a:xfrm>
+          <a:prstGeom prst="straightConnector1">
+            <a:avLst/>
+          </a:prstGeom>
+          <a:ln w="15875">
+            <a:tailEnd type="triangle"/>
+          </a:ln>
+        </p:spPr>
+        <p:style>
+          <a:lnRef idx="1">
+            <a:schemeClr val="accent1"/>
+          </a:lnRef>
+          <a:fillRef idx="0">
+            <a:schemeClr val="accent1"/>
+          </a:fillRef>
+          <a:effectRef idx="0">
+            <a:schemeClr val="accent1"/>
+          </a:effectRef>
+          <a:fontRef idx="minor">
+            <a:schemeClr val="tx1"/>
+          </a:fontRef>
+        </p:style>
+      </p:cxnSp>
+      <p:sp>
+        <p:nvSpPr>
+          <p:cNvPr id="14" name="ZoneTexte 13"/>
+          <p:cNvSpPr txBox="1"/>
+          <p:nvPr/>
+        </p:nvSpPr>
+        <p:spPr>
+          <a:xfrm>
+            <a:off x="5872216" y="2765985"/>
+            <a:ext cx="514885" cy="307777"/>
+          </a:xfrm>
+          <a:prstGeom prst="rect">
+            <a:avLst/>
+          </a:prstGeom>
+          <a:noFill/>
+        </p:spPr>
+        <p:txBody>
+          <a:bodyPr wrap="none" rtlCol="0">
+            <a:spAutoFit/>
+          </a:bodyPr>
+          <a:lstStyle/>
+          <a:p>
+            <a:r>
+              <a:rPr lang="fr-FR" sz="1400" dirty="0"/>
+              <a:t>Cm2</a:t>
+            </a:r>
+          </a:p>
+        </p:txBody>
+      </p:sp>
+      <p:sp>
+        <p:nvSpPr>
+          <p:cNvPr id="15" name="ZoneTexte 14"/>
+          <p:cNvSpPr txBox="1"/>
+          <p:nvPr/>
+        </p:nvSpPr>
+        <p:spPr>
+          <a:xfrm>
+            <a:off x="5596681" y="2468334"/>
+            <a:ext cx="569387" cy="307777"/>
+          </a:xfrm>
+          <a:prstGeom prst="rect">
+            <a:avLst/>
+          </a:prstGeom>
+          <a:noFill/>
+        </p:spPr>
+        <p:txBody>
+          <a:bodyPr wrap="none" rtlCol="0">
+            <a:spAutoFit/>
+          </a:bodyPr>
+          <a:lstStyle/>
+          <a:p>
+            <a:r>
+              <a:rPr lang="fr-FR" sz="1400" dirty="0"/>
+              <a:t>-Cm2</a:t>
+            </a:r>
+          </a:p>
+        </p:txBody>
+      </p:sp>
+      <p:cxnSp>
+        <p:nvCxnSpPr>
+          <p:cNvPr id="16" name="Connecteur droit avec flèche 15"/>
+          <p:cNvCxnSpPr/>
+          <p:nvPr/>
+        </p:nvCxnSpPr>
+        <p:spPr>
+          <a:xfrm flipV="1">
+            <a:off x="6387100" y="2840224"/>
+            <a:ext cx="201660" cy="79649"/>
+          </a:xfrm>
+          <a:prstGeom prst="straightConnector1">
+            <a:avLst/>
+          </a:prstGeom>
+          <a:ln w="15875">
+            <a:tailEnd type="triangle"/>
+          </a:ln>
+        </p:spPr>
+        <p:style>
+          <a:lnRef idx="1">
+            <a:schemeClr val="accent1"/>
+          </a:lnRef>
+          <a:fillRef idx="0">
+            <a:schemeClr val="accent1"/>
+          </a:fillRef>
+          <a:effectRef idx="0">
+            <a:schemeClr val="accent1"/>
+          </a:effectRef>
+          <a:fontRef idx="minor">
+            <a:schemeClr val="tx1"/>
+          </a:fontRef>
+        </p:style>
+      </p:cxnSp>
+      <p:cxnSp>
+        <p:nvCxnSpPr>
+          <p:cNvPr id="18" name="Connecteur droit avec flèche 17"/>
+          <p:cNvCxnSpPr/>
+          <p:nvPr/>
+        </p:nvCxnSpPr>
+        <p:spPr>
+          <a:xfrm flipH="1" flipV="1">
+            <a:off x="5733051" y="2257397"/>
+            <a:ext cx="109234" cy="290671"/>
+          </a:xfrm>
+          <a:prstGeom prst="straightConnector1">
+            <a:avLst/>
+          </a:prstGeom>
+          <a:ln w="15875">
+            <a:tailEnd type="triangle"/>
+          </a:ln>
+        </p:spPr>
+        <p:style>
+          <a:lnRef idx="1">
+            <a:schemeClr val="accent1"/>
+          </a:lnRef>
+          <a:fillRef idx="0">
+            <a:schemeClr val="accent1"/>
+          </a:fillRef>
+          <a:effectRef idx="0">
+            <a:schemeClr val="accent1"/>
+          </a:effectRef>
+          <a:fontRef idx="minor">
+            <a:schemeClr val="tx1"/>
+          </a:fontRef>
+        </p:style>
+      </p:cxnSp>
+      <p:cxnSp>
+        <p:nvCxnSpPr>
+          <p:cNvPr id="19" name="Connecteur droit avec flèche 18"/>
+          <p:cNvCxnSpPr/>
+          <p:nvPr/>
+        </p:nvCxnSpPr>
+        <p:spPr>
+          <a:xfrm flipH="1" flipV="1">
+            <a:off x="5719233" y="3712841"/>
+            <a:ext cx="109234" cy="290671"/>
+          </a:xfrm>
+          <a:prstGeom prst="straightConnector1">
+            <a:avLst/>
+          </a:prstGeom>
+          <a:ln w="15875">
+            <a:tailEnd type="triangle"/>
+          </a:ln>
+        </p:spPr>
+        <p:style>
+          <a:lnRef idx="1">
+            <a:schemeClr val="accent1"/>
+          </a:lnRef>
+          <a:fillRef idx="0">
+            <a:schemeClr val="accent1"/>
+          </a:fillRef>
+          <a:effectRef idx="0">
+            <a:schemeClr val="accent1"/>
+          </a:effectRef>
+          <a:fontRef idx="minor">
+            <a:schemeClr val="tx1"/>
+          </a:fontRef>
+        </p:style>
+      </p:cxnSp>
+      <p:cxnSp>
+        <p:nvCxnSpPr>
+          <p:cNvPr id="20" name="Connecteur droit avec flèche 19"/>
+          <p:cNvCxnSpPr/>
+          <p:nvPr/>
+        </p:nvCxnSpPr>
+        <p:spPr>
+          <a:xfrm flipV="1">
+            <a:off x="6362915" y="4287882"/>
+            <a:ext cx="201660" cy="79649"/>
+          </a:xfrm>
+          <a:prstGeom prst="straightConnector1">
+            <a:avLst/>
+          </a:prstGeom>
+          <a:ln w="15875">
+            <a:tailEnd type="triangle"/>
+          </a:ln>
+        </p:spPr>
+        <p:style>
+          <a:lnRef idx="1">
+            <a:schemeClr val="accent1"/>
+          </a:lnRef>
+          <a:fillRef idx="0">
+            <a:schemeClr val="accent1"/>
+          </a:fillRef>
+          <a:effectRef idx="0">
+            <a:schemeClr val="accent1"/>
+          </a:effectRef>
+          <a:fontRef idx="minor">
+            <a:schemeClr val="tx1"/>
+          </a:fontRef>
+        </p:style>
+      </p:cxnSp>
+      <p:sp>
+        <p:nvSpPr>
+          <p:cNvPr id="21" name="ZoneTexte 20"/>
+          <p:cNvSpPr txBox="1"/>
+          <p:nvPr/>
+        </p:nvSpPr>
+        <p:spPr>
+          <a:xfrm>
+            <a:off x="5669198" y="3948955"/>
+            <a:ext cx="569387" cy="307777"/>
+          </a:xfrm>
+          <a:prstGeom prst="rect">
+            <a:avLst/>
+          </a:prstGeom>
+          <a:noFill/>
+        </p:spPr>
+        <p:txBody>
+          <a:bodyPr wrap="none" rtlCol="0">
+            <a:spAutoFit/>
+          </a:bodyPr>
+          <a:lstStyle/>
+          <a:p>
+            <a:r>
+              <a:rPr lang="fr-FR" sz="1400" dirty="0"/>
+              <a:t>-Cm3</a:t>
+            </a:r>
+          </a:p>
+        </p:txBody>
+      </p:sp>
+      <p:sp>
+        <p:nvSpPr>
+          <p:cNvPr id="22" name="ZoneTexte 21"/>
+          <p:cNvSpPr txBox="1"/>
+          <p:nvPr/>
+        </p:nvSpPr>
+        <p:spPr>
+          <a:xfrm>
+            <a:off x="5936675" y="4246606"/>
+            <a:ext cx="514885" cy="307777"/>
+          </a:xfrm>
+          <a:prstGeom prst="rect">
+            <a:avLst/>
+          </a:prstGeom>
+          <a:noFill/>
+        </p:spPr>
+        <p:txBody>
+          <a:bodyPr wrap="none" rtlCol="0">
+            <a:spAutoFit/>
+          </a:bodyPr>
+          <a:lstStyle/>
+          <a:p>
+            <a:r>
+              <a:rPr lang="fr-FR" sz="1400" dirty="0"/>
+              <a:t>Cm3</a:t>
+            </a:r>
+          </a:p>
+        </p:txBody>
+      </p:sp>
+      <mc:AlternateContent xmlns:mc="http://schemas.openxmlformats.org/markup-compatibility/2006">
+        <mc:Choice xmlns:a14="http://schemas.microsoft.com/office/drawing/2010/main" Requires="a14">
+          <p:sp>
+            <p:nvSpPr>
+              <p:cNvPr id="23" name="ZoneTexte 22"/>
+              <p:cNvSpPr txBox="1"/>
+              <p:nvPr/>
+            </p:nvSpPr>
+            <p:spPr>
+              <a:xfrm>
+                <a:off x="3773938" y="3477572"/>
+                <a:ext cx="1203791" cy="307777"/>
+              </a:xfrm>
+              <a:prstGeom prst="rect">
+                <a:avLst/>
+              </a:prstGeom>
+              <a:noFill/>
+            </p:spPr>
+            <p:txBody>
+              <a:bodyPr wrap="none" rtlCol="0">
+                <a:spAutoFit/>
+              </a:bodyPr>
+              <a:lstStyle/>
+              <a:p>
+                <a:pPr algn="ctr"/>
+                <a14:m>
+                  <m:oMathPara xmlns:m="http://schemas.openxmlformats.org/officeDocument/2006/math">
+                    <m:oMathParaPr>
+                      <m:jc m:val="centerGroup"/>
+                    </m:oMathParaPr>
+                    <m:oMath xmlns:m="http://schemas.openxmlformats.org/officeDocument/2006/math">
+                      <m:sSub>
+                        <m:sSubPr>
+                          <m:ctrlPr>
+                            <a:rPr lang="fr-FR" sz="1400" i="1">
+                              <a:latin typeface="Cambria Math" panose="02040503050406030204" pitchFamily="18" charset="0"/>
+                            </a:rPr>
+                          </m:ctrlPr>
+                        </m:sSubPr>
+                        <m:e>
+                          <m:r>
+                            <a:rPr lang="fr-FR" sz="1400" i="1">
+                              <a:latin typeface="Cambria Math" charset="0"/>
+                            </a:rPr>
+                            <m:t>𝑚</m:t>
+                          </m:r>
+                        </m:e>
+                        <m:sub>
+                          <m:r>
+                            <a:rPr lang="fr-FR" sz="1400" i="1">
+                              <a:latin typeface="Cambria Math" charset="0"/>
+                            </a:rPr>
+                            <m:t>3</m:t>
+                          </m:r>
+                        </m:sub>
+                      </m:sSub>
+                      <m:r>
+                        <a:rPr lang="fr-FR" sz="1400" i="1">
+                          <a:latin typeface="Cambria Math" charset="0"/>
+                        </a:rPr>
+                        <m:t>𝑔</m:t>
+                      </m:r>
+                      <m:sSub>
+                        <m:sSubPr>
+                          <m:ctrlPr>
+                            <a:rPr lang="fr-FR" sz="1400" i="1">
+                              <a:latin typeface="Cambria Math" panose="02040503050406030204" pitchFamily="18" charset="0"/>
+                            </a:rPr>
+                          </m:ctrlPr>
+                        </m:sSubPr>
+                        <m:e>
+                          <m:r>
+                            <a:rPr lang="fr-FR" sz="1400" i="1">
+                              <a:latin typeface="Cambria Math" charset="0"/>
+                            </a:rPr>
+                            <m:t>𝑧</m:t>
+                          </m:r>
+                        </m:e>
+                        <m:sub>
+                          <m:r>
+                            <a:rPr lang="fr-FR" sz="1400" i="1">
+                              <a:latin typeface="Cambria Math" charset="0"/>
+                            </a:rPr>
+                            <m:t>0</m:t>
+                          </m:r>
+                        </m:sub>
+                      </m:sSub>
+                      <m:r>
+                        <a:rPr lang="fr-FR" sz="1400" i="1">
+                          <a:latin typeface="Cambria Math" charset="0"/>
+                        </a:rPr>
+                        <m:t> </m:t>
+                      </m:r>
+                      <m:r>
+                        <a:rPr lang="fr-FR" sz="1400" i="1">
+                          <a:latin typeface="Cambria Math" charset="0"/>
+                        </a:rPr>
+                        <m:t>𝑒𝑛</m:t>
+                      </m:r>
+                      <m:r>
+                        <a:rPr lang="fr-FR" sz="1400" i="1">
+                          <a:latin typeface="Cambria Math" charset="0"/>
+                        </a:rPr>
+                        <m:t> </m:t>
+                      </m:r>
+                      <m:sSub>
+                        <m:sSubPr>
+                          <m:ctrlPr>
+                            <a:rPr lang="fr-FR" sz="1400" i="1">
+                              <a:latin typeface="Cambria Math" panose="02040503050406030204" pitchFamily="18" charset="0"/>
+                            </a:rPr>
+                          </m:ctrlPr>
+                        </m:sSubPr>
+                        <m:e>
+                          <m:r>
+                            <a:rPr lang="fr-FR" sz="1400" i="1">
+                              <a:latin typeface="Cambria Math" charset="0"/>
+                            </a:rPr>
+                            <m:t>𝐺</m:t>
+                          </m:r>
+                        </m:e>
+                        <m:sub>
+                          <m:r>
+                            <a:rPr lang="fr-FR" sz="1400" i="1">
+                              <a:latin typeface="Cambria Math" charset="0"/>
+                            </a:rPr>
+                            <m:t>3</m:t>
+                          </m:r>
+                        </m:sub>
+                      </m:sSub>
+                    </m:oMath>
+                  </m:oMathPara>
+                </a14:m>
+                <a:endParaRPr lang="fr-FR" sz="1400" dirty="0"/>
+              </a:p>
+            </p:txBody>
+          </p:sp>
+        </mc:Choice>
+        <mc:Fallback>
+          <p:sp>
+            <p:nvSpPr>
+              <p:cNvPr id="23" name="ZoneTexte 22"/>
+              <p:cNvSpPr txBox="1">
+                <a:spLocks noRot="1" noChangeAspect="1" noMove="1" noResize="1" noEditPoints="1" noAdjustHandles="1" noChangeArrowheads="1" noChangeShapeType="1" noTextEdit="1"/>
+              </p:cNvSpPr>
+              <p:nvPr/>
+            </p:nvSpPr>
+            <p:spPr>
+              <a:xfrm>
+                <a:off x="3773938" y="3477572"/>
+                <a:ext cx="1203791" cy="307777"/>
+              </a:xfrm>
+              <a:prstGeom prst="rect">
+                <a:avLst/>
+              </a:prstGeom>
+              <a:blipFill>
+                <a:blip r:embed="rId3"/>
+                <a:stretch>
+                  <a:fillRect/>
+                </a:stretch>
+              </a:blipFill>
+            </p:spPr>
+            <p:txBody>
+              <a:bodyPr/>
+              <a:lstStyle/>
+              <a:p>
+                <a:r>
+                  <a:rPr lang="fr-FR">
+                    <a:noFill/>
+                  </a:rPr>
+                  <a:t> </a:t>
+                </a:r>
+              </a:p>
+            </p:txBody>
+          </p:sp>
+        </mc:Fallback>
+      </mc:AlternateContent>
+      <p:cxnSp>
+        <p:nvCxnSpPr>
+          <p:cNvPr id="24" name="Connecteur droit avec flèche 23"/>
+          <p:cNvCxnSpPr/>
+          <p:nvPr/>
+        </p:nvCxnSpPr>
+        <p:spPr>
+          <a:xfrm flipV="1">
+            <a:off x="4867212" y="3484798"/>
+            <a:ext cx="617674" cy="146663"/>
+          </a:xfrm>
+          <a:prstGeom prst="straightConnector1">
+            <a:avLst/>
+          </a:prstGeom>
+          <a:ln w="15875">
+            <a:tailEnd type="triangle"/>
+          </a:ln>
+        </p:spPr>
+        <p:style>
+          <a:lnRef idx="1">
+            <a:schemeClr val="accent1"/>
+          </a:lnRef>
+          <a:fillRef idx="0">
+            <a:schemeClr val="accent1"/>
+          </a:fillRef>
+          <a:effectRef idx="0">
+            <a:schemeClr val="accent1"/>
+          </a:effectRef>
+          <a:fontRef idx="minor">
+            <a:schemeClr val="tx1"/>
+          </a:fontRef>
+        </p:style>
+      </p:cxnSp>
+      <mc:AlternateContent xmlns:mc="http://schemas.openxmlformats.org/markup-compatibility/2006">
+        <mc:Choice xmlns:a14="http://schemas.microsoft.com/office/drawing/2010/main" Requires="a14">
+          <p:sp>
+            <p:nvSpPr>
+              <p:cNvPr id="27" name="ZoneTexte 26"/>
+              <p:cNvSpPr txBox="1"/>
+              <p:nvPr/>
+            </p:nvSpPr>
+            <p:spPr>
+              <a:xfrm>
+                <a:off x="3754125" y="4994682"/>
+                <a:ext cx="1243417" cy="307777"/>
+              </a:xfrm>
+              <a:prstGeom prst="rect">
+                <a:avLst/>
+              </a:prstGeom>
+              <a:noFill/>
+            </p:spPr>
+            <p:txBody>
+              <a:bodyPr wrap="none" rtlCol="0">
+                <a:spAutoFit/>
+              </a:bodyPr>
+              <a:lstStyle/>
+              <a:p>
+                <a:pPr algn="ctr"/>
+                <a14:m>
+                  <m:oMathPara xmlns:m="http://schemas.openxmlformats.org/officeDocument/2006/math">
+                    <m:oMathParaPr>
+                      <m:jc m:val="centerGroup"/>
+                    </m:oMathParaPr>
+                    <m:oMath xmlns:m="http://schemas.openxmlformats.org/officeDocument/2006/math">
+                      <m:sSub>
+                        <m:sSubPr>
+                          <m:ctrlPr>
+                            <a:rPr lang="fr-FR" sz="1400" i="1">
+                              <a:latin typeface="Cambria Math" panose="02040503050406030204" pitchFamily="18" charset="0"/>
+                            </a:rPr>
+                          </m:ctrlPr>
+                        </m:sSubPr>
+                        <m:e>
+                          <m:r>
+                            <a:rPr lang="fr-FR" sz="1400" i="1">
+                              <a:latin typeface="Cambria Math" charset="0"/>
+                            </a:rPr>
+                            <m:t>𝑚</m:t>
+                          </m:r>
+                        </m:e>
+                        <m:sub>
+                          <m:r>
+                            <a:rPr lang="fr-FR" sz="1400" i="1">
+                              <a:latin typeface="Cambria Math" charset="0"/>
+                            </a:rPr>
+                            <m:t>4</m:t>
+                          </m:r>
+                        </m:sub>
+                      </m:sSub>
+                      <m:r>
+                        <a:rPr lang="fr-FR" sz="1400" i="1">
+                          <a:latin typeface="Cambria Math" charset="0"/>
+                        </a:rPr>
+                        <m:t>𝑔</m:t>
+                      </m:r>
+                      <m:sSub>
+                        <m:sSubPr>
+                          <m:ctrlPr>
+                            <a:rPr lang="fr-FR" sz="1400" i="1">
+                              <a:latin typeface="Cambria Math" panose="02040503050406030204" pitchFamily="18" charset="0"/>
+                            </a:rPr>
+                          </m:ctrlPr>
+                        </m:sSubPr>
+                        <m:e>
+                          <m:r>
+                            <a:rPr lang="fr-FR" sz="1400" i="1">
+                              <a:latin typeface="Cambria Math" charset="0"/>
+                            </a:rPr>
+                            <m:t>𝑧</m:t>
+                          </m:r>
+                        </m:e>
+                        <m:sub>
+                          <m:r>
+                            <a:rPr lang="fr-FR" sz="1400" i="1">
+                              <a:latin typeface="Cambria Math" charset="0"/>
+                            </a:rPr>
+                            <m:t>0</m:t>
+                          </m:r>
+                        </m:sub>
+                      </m:sSub>
+                      <m:r>
+                        <a:rPr lang="fr-FR" sz="1400" i="1">
+                          <a:latin typeface="Cambria Math" charset="0"/>
+                        </a:rPr>
+                        <m:t> </m:t>
+                      </m:r>
+                      <m:r>
+                        <a:rPr lang="fr-FR" sz="1400" i="1">
+                          <a:latin typeface="Cambria Math" charset="0"/>
+                        </a:rPr>
+                        <m:t>𝑒𝑛</m:t>
+                      </m:r>
+                      <m:r>
+                        <a:rPr lang="fr-FR" sz="1400" i="1">
+                          <a:latin typeface="Cambria Math" charset="0"/>
+                        </a:rPr>
+                        <m:t> </m:t>
+                      </m:r>
+                      <m:sSub>
+                        <m:sSubPr>
+                          <m:ctrlPr>
+                            <a:rPr lang="fr-FR" sz="1400" i="1">
+                              <a:latin typeface="Cambria Math" panose="02040503050406030204" pitchFamily="18" charset="0"/>
+                            </a:rPr>
+                          </m:ctrlPr>
+                        </m:sSubPr>
+                        <m:e>
+                          <m:r>
+                            <a:rPr lang="fr-FR" sz="1400" i="1">
+                              <a:latin typeface="Cambria Math" charset="0"/>
+                            </a:rPr>
+                            <m:t>𝐺</m:t>
+                          </m:r>
+                        </m:e>
+                        <m:sub>
+                          <m:r>
+                            <a:rPr lang="fr-FR" sz="1400" i="1">
+                              <a:latin typeface="Cambria Math" charset="0"/>
+                            </a:rPr>
+                            <m:t>4</m:t>
+                          </m:r>
+                        </m:sub>
+                      </m:sSub>
+                    </m:oMath>
+                  </m:oMathPara>
+                </a14:m>
+                <a:endParaRPr lang="fr-FR" sz="1400" dirty="0"/>
+              </a:p>
+            </p:txBody>
+          </p:sp>
+        </mc:Choice>
+        <mc:Fallback>
+          <p:sp>
+            <p:nvSpPr>
+              <p:cNvPr id="27" name="ZoneTexte 26"/>
+              <p:cNvSpPr txBox="1">
+                <a:spLocks noRot="1" noChangeAspect="1" noMove="1" noResize="1" noEditPoints="1" noAdjustHandles="1" noChangeArrowheads="1" noChangeShapeType="1" noTextEdit="1"/>
+              </p:cNvSpPr>
+              <p:nvPr/>
+            </p:nvSpPr>
+            <p:spPr>
+              <a:xfrm>
+                <a:off x="3754125" y="4994682"/>
+                <a:ext cx="1243417" cy="307777"/>
+              </a:xfrm>
+              <a:prstGeom prst="rect">
+                <a:avLst/>
+              </a:prstGeom>
+              <a:blipFill>
+                <a:blip r:embed="rId4"/>
+                <a:stretch>
+                  <a:fillRect/>
+                </a:stretch>
+              </a:blipFill>
+            </p:spPr>
+            <p:txBody>
+              <a:bodyPr/>
+              <a:lstStyle/>
+              <a:p>
+                <a:r>
+                  <a:rPr lang="fr-FR">
+                    <a:noFill/>
+                  </a:rPr>
+                  <a:t> </a:t>
+                </a:r>
+              </a:p>
+            </p:txBody>
+          </p:sp>
+        </mc:Fallback>
+      </mc:AlternateContent>
+      <p:cxnSp>
+        <p:nvCxnSpPr>
+          <p:cNvPr id="28" name="Connecteur droit avec flèche 27"/>
+          <p:cNvCxnSpPr/>
+          <p:nvPr/>
+        </p:nvCxnSpPr>
+        <p:spPr>
+          <a:xfrm flipV="1">
+            <a:off x="4916666" y="5001908"/>
+            <a:ext cx="617674" cy="146663"/>
+          </a:xfrm>
+          <a:prstGeom prst="straightConnector1">
+            <a:avLst/>
+          </a:prstGeom>
+          <a:ln w="15875">
+            <a:tailEnd type="triangle"/>
+          </a:ln>
+        </p:spPr>
+        <p:style>
+          <a:lnRef idx="1">
+            <a:schemeClr val="accent1"/>
+          </a:lnRef>
+          <a:fillRef idx="0">
+            <a:schemeClr val="accent1"/>
+          </a:fillRef>
+          <a:effectRef idx="0">
+            <a:schemeClr val="accent1"/>
+          </a:effectRef>
+          <a:fontRef idx="minor">
+            <a:schemeClr val="tx1"/>
+          </a:fontRef>
+        </p:style>
+      </p:cxnSp>
+      <p:sp>
+        <p:nvSpPr>
+          <p:cNvPr id="29" name="ZoneTexte 28"/>
+          <p:cNvSpPr txBox="1"/>
+          <p:nvPr/>
+        </p:nvSpPr>
+        <p:spPr>
+          <a:xfrm>
+            <a:off x="7243524" y="2178735"/>
+            <a:ext cx="301686" cy="369332"/>
+          </a:xfrm>
+          <a:prstGeom prst="rect">
+            <a:avLst/>
+          </a:prstGeom>
+          <a:noFill/>
+        </p:spPr>
+        <p:txBody>
+          <a:bodyPr wrap="none" rtlCol="0">
+            <a:spAutoFit/>
+          </a:bodyPr>
+          <a:lstStyle/>
+          <a:p>
+            <a:r>
+              <a:rPr lang="fr-FR" dirty="0"/>
+              <a:t>5</a:t>
+            </a:r>
+          </a:p>
+        </p:txBody>
+      </p:sp>
+      <p:sp>
+        <p:nvSpPr>
+          <p:cNvPr id="30" name="ZoneTexte 29"/>
+          <p:cNvSpPr txBox="1"/>
+          <p:nvPr/>
+        </p:nvSpPr>
+        <p:spPr>
+          <a:xfrm>
+            <a:off x="4826885" y="2704429"/>
+            <a:ext cx="301686" cy="369332"/>
+          </a:xfrm>
+          <a:prstGeom prst="rect">
+            <a:avLst/>
+          </a:prstGeom>
+          <a:noFill/>
+        </p:spPr>
+        <p:txBody>
+          <a:bodyPr wrap="none" rtlCol="0">
+            <a:spAutoFit/>
+          </a:bodyPr>
+          <a:lstStyle/>
+          <a:p>
+            <a:r>
+              <a:rPr lang="fr-FR" dirty="0"/>
+              <a:t>5</a:t>
+            </a:r>
+          </a:p>
+        </p:txBody>
+      </p:sp>
+      <p:sp>
+        <p:nvSpPr>
+          <p:cNvPr id="31" name="ZoneTexte 30"/>
+          <p:cNvSpPr txBox="1"/>
+          <p:nvPr/>
+        </p:nvSpPr>
+        <p:spPr>
+          <a:xfrm>
+            <a:off x="4765823" y="1277301"/>
+            <a:ext cx="301686" cy="369332"/>
+          </a:xfrm>
+          <a:prstGeom prst="rect">
+            <a:avLst/>
+          </a:prstGeom>
+          <a:noFill/>
+        </p:spPr>
+        <p:txBody>
+          <a:bodyPr wrap="none" rtlCol="0">
+            <a:spAutoFit/>
+          </a:bodyPr>
+          <a:lstStyle/>
+          <a:p>
+            <a:r>
+              <a:rPr lang="fr-FR" dirty="0"/>
+              <a:t>5</a:t>
+            </a:r>
+          </a:p>
+        </p:txBody>
+      </p:sp>
+      <p:sp>
+        <p:nvSpPr>
+          <p:cNvPr id="32" name="ZoneTexte 31"/>
+          <p:cNvSpPr txBox="1"/>
+          <p:nvPr/>
+        </p:nvSpPr>
+        <p:spPr>
+          <a:xfrm>
+            <a:off x="7244491" y="3579622"/>
+            <a:ext cx="301686" cy="369332"/>
+          </a:xfrm>
+          <a:prstGeom prst="rect">
+            <a:avLst/>
+          </a:prstGeom>
+          <a:noFill/>
+        </p:spPr>
+        <p:txBody>
+          <a:bodyPr wrap="none" rtlCol="0">
+            <a:spAutoFit/>
+          </a:bodyPr>
+          <a:lstStyle/>
+          <a:p>
+            <a:r>
+              <a:rPr lang="fr-FR" dirty="0"/>
+              <a:t>5</a:t>
+            </a:r>
+          </a:p>
+        </p:txBody>
+      </p:sp>
+      <p:sp>
+        <p:nvSpPr>
+          <p:cNvPr id="33" name="ZoneTexte 32"/>
+          <p:cNvSpPr txBox="1"/>
+          <p:nvPr/>
+        </p:nvSpPr>
+        <p:spPr>
+          <a:xfrm>
+            <a:off x="7243524" y="4705906"/>
+            <a:ext cx="2051716" cy="369332"/>
+          </a:xfrm>
+          <a:prstGeom prst="rect">
+            <a:avLst/>
+          </a:prstGeom>
+          <a:noFill/>
+        </p:spPr>
+        <p:txBody>
+          <a:bodyPr wrap="none" rtlCol="0">
+            <a:spAutoFit/>
+          </a:bodyPr>
+          <a:lstStyle/>
+          <a:p>
+            <a:r>
+              <a:rPr lang="fr-FR" dirty="0"/>
+              <a:t>5 (ou 6 dont 2 liées)</a:t>
+            </a:r>
+          </a:p>
+        </p:txBody>
+      </p:sp>
+      <p:sp>
+        <p:nvSpPr>
+          <p:cNvPr id="34" name="ZoneTexte 33"/>
+          <p:cNvSpPr txBox="1"/>
+          <p:nvPr/>
+        </p:nvSpPr>
+        <p:spPr>
+          <a:xfrm>
+            <a:off x="4765823" y="4143039"/>
+            <a:ext cx="301686" cy="369332"/>
+          </a:xfrm>
+          <a:prstGeom prst="rect">
+            <a:avLst/>
+          </a:prstGeom>
+          <a:noFill/>
+        </p:spPr>
+        <p:txBody>
+          <a:bodyPr wrap="none" rtlCol="0">
+            <a:spAutoFit/>
+          </a:bodyPr>
+          <a:lstStyle/>
+          <a:p>
+            <a:r>
+              <a:rPr lang="fr-FR" dirty="0"/>
+              <a:t>5</a:t>
+            </a:r>
+          </a:p>
+        </p:txBody>
+      </p:sp>
+      <p:sp>
+        <p:nvSpPr>
+          <p:cNvPr id="35" name="ZoneTexte 34"/>
+          <p:cNvSpPr txBox="1"/>
+          <p:nvPr/>
+        </p:nvSpPr>
+        <p:spPr>
+          <a:xfrm>
+            <a:off x="4815741" y="5600102"/>
+            <a:ext cx="301686" cy="369332"/>
+          </a:xfrm>
+          <a:prstGeom prst="rect">
+            <a:avLst/>
+          </a:prstGeom>
+          <a:noFill/>
+        </p:spPr>
+        <p:txBody>
+          <a:bodyPr wrap="none" rtlCol="0">
+            <a:spAutoFit/>
+          </a:bodyPr>
+          <a:lstStyle/>
+          <a:p>
+            <a:r>
+              <a:rPr lang="fr-FR" dirty="0"/>
+              <a:t>5</a:t>
+            </a:r>
+          </a:p>
+        </p:txBody>
+      </p:sp>
+    </p:spTree>
+    <p:extLst>
+      <p:ext uri="{BB962C8B-B14F-4D97-AF65-F5344CB8AC3E}">
+        <p14:creationId xmlns:p14="http://schemas.microsoft.com/office/powerpoint/2010/main" val="2092699312"/>
       </p:ext>
     </p:extLst>
   </p:cSld>
@@ -10414,8 +11470,8 @@
           </p:sp>
         </mc:Fallback>
       </mc:AlternateContent>
-      <mc:AlternateContent xmlns:mc="http://schemas.openxmlformats.org/markup-compatibility/2006">
-        <mc:Choice xmlns:a14="http://schemas.microsoft.com/office/drawing/2010/main" Requires="a14">
+      <mc:AlternateContent xmlns:mc="http://schemas.openxmlformats.org/markup-compatibility/2006" xmlns:a14="http://schemas.microsoft.com/office/drawing/2010/main">
+        <mc:Choice Requires="a14">
           <p:sp>
             <p:nvSpPr>
               <p:cNvPr id="70" name="Rectangle 69">
@@ -10492,7 +11548,7 @@
             </p:txBody>
           </p:sp>
         </mc:Choice>
-        <mc:Fallback>
+        <mc:Fallback xmlns="">
           <p:sp>
             <p:nvSpPr>
               <p:cNvPr id="70" name="Rectangle 69">
@@ -10829,8 +11885,8 @@
           </a:fontRef>
         </p:style>
       </p:cxnSp>
-      <mc:AlternateContent xmlns:mc="http://schemas.openxmlformats.org/markup-compatibility/2006">
-        <mc:Choice xmlns:a14="http://schemas.microsoft.com/office/drawing/2010/main" Requires="a14">
+      <mc:AlternateContent xmlns:mc="http://schemas.openxmlformats.org/markup-compatibility/2006" xmlns:a14="http://schemas.microsoft.com/office/drawing/2010/main">
+        <mc:Choice Requires="a14">
           <p:sp>
             <p:nvSpPr>
               <p:cNvPr id="16" name="ZoneTexte 15">
@@ -10932,7 +11988,7 @@
             </p:txBody>
           </p:sp>
         </mc:Choice>
-        <mc:Fallback>
+        <mc:Fallback xmlns="">
           <p:sp>
             <p:nvSpPr>
               <p:cNvPr id="16" name="ZoneTexte 15">
@@ -11067,8 +12123,8 @@
           </a:fontRef>
         </p:style>
       </p:cxnSp>
-      <mc:AlternateContent xmlns:mc="http://schemas.openxmlformats.org/markup-compatibility/2006">
-        <mc:Choice xmlns:a14="http://schemas.microsoft.com/office/drawing/2010/main" Requires="a14">
+      <mc:AlternateContent xmlns:mc="http://schemas.openxmlformats.org/markup-compatibility/2006" xmlns:a14="http://schemas.microsoft.com/office/drawing/2010/main">
+        <mc:Choice Requires="a14">
           <p:sp>
             <p:nvSpPr>
               <p:cNvPr id="21" name="ZoneTexte 20">
@@ -11177,7 +12233,7 @@
             </p:txBody>
           </p:sp>
         </mc:Choice>
-        <mc:Fallback>
+        <mc:Fallback xmlns="">
           <p:sp>
             <p:nvSpPr>
               <p:cNvPr id="21" name="ZoneTexte 20">
@@ -11266,8 +12322,8 @@
           </a:fontRef>
         </p:style>
       </p:cxnSp>
-      <mc:AlternateContent xmlns:mc="http://schemas.openxmlformats.org/markup-compatibility/2006">
-        <mc:Choice xmlns:a14="http://schemas.microsoft.com/office/drawing/2010/main" Requires="a14">
+      <mc:AlternateContent xmlns:mc="http://schemas.openxmlformats.org/markup-compatibility/2006" xmlns:a14="http://schemas.microsoft.com/office/drawing/2010/main">
+        <mc:Choice Requires="a14">
           <p:sp>
             <p:nvSpPr>
               <p:cNvPr id="26" name="ZoneTexte 25">
@@ -11347,7 +12403,7 @@
             </p:txBody>
           </p:sp>
         </mc:Choice>
-        <mc:Fallback>
+        <mc:Fallback xmlns="">
           <p:sp>
             <p:nvSpPr>
               <p:cNvPr id="26" name="ZoneTexte 25">
@@ -11437,8 +12493,8 @@
           </a:fontRef>
         </p:style>
       </p:cxnSp>
-      <mc:AlternateContent xmlns:mc="http://schemas.openxmlformats.org/markup-compatibility/2006">
-        <mc:Choice xmlns:a14="http://schemas.microsoft.com/office/drawing/2010/main" Requires="a14">
+      <mc:AlternateContent xmlns:mc="http://schemas.openxmlformats.org/markup-compatibility/2006" xmlns:a14="http://schemas.microsoft.com/office/drawing/2010/main">
+        <mc:Choice Requires="a14">
           <p:sp>
             <p:nvSpPr>
               <p:cNvPr id="28" name="ZoneTexte 27">
@@ -11548,7 +12604,7 @@
             </p:txBody>
           </p:sp>
         </mc:Choice>
-        <mc:Fallback>
+        <mc:Fallback xmlns="">
           <p:sp>
             <p:nvSpPr>
               <p:cNvPr id="28" name="ZoneTexte 27">
@@ -11886,8 +12942,8 @@
           </a:p>
         </p:txBody>
       </p:sp>
-      <mc:AlternateContent xmlns:mc="http://schemas.openxmlformats.org/markup-compatibility/2006">
-        <mc:Choice xmlns:a14="http://schemas.microsoft.com/office/drawing/2010/main" Requires="a14">
+      <mc:AlternateContent xmlns:mc="http://schemas.openxmlformats.org/markup-compatibility/2006" xmlns:a14="http://schemas.microsoft.com/office/drawing/2010/main">
+        <mc:Choice Requires="a14">
           <p:sp>
             <p:nvSpPr>
               <p:cNvPr id="34" name="ZoneTexte 33">
@@ -11989,7 +13045,7 @@
             </p:txBody>
           </p:sp>
         </mc:Choice>
-        <mc:Fallback>
+        <mc:Fallback xmlns="">
           <p:sp>
             <p:nvSpPr>
               <p:cNvPr id="34" name="ZoneTexte 33">
@@ -12155,8 +13211,8 @@
           </a:fontRef>
         </p:style>
       </p:cxnSp>
-      <mc:AlternateContent xmlns:mc="http://schemas.openxmlformats.org/markup-compatibility/2006">
-        <mc:Choice xmlns:a14="http://schemas.microsoft.com/office/drawing/2010/main" Requires="a14">
+      <mc:AlternateContent xmlns:mc="http://schemas.openxmlformats.org/markup-compatibility/2006" xmlns:a14="http://schemas.microsoft.com/office/drawing/2010/main">
+        <mc:Choice Requires="a14">
           <p:sp>
             <p:nvSpPr>
               <p:cNvPr id="42" name="ZoneTexte 41">
@@ -12272,7 +13328,7 @@
             </p:txBody>
           </p:sp>
         </mc:Choice>
-        <mc:Fallback>
+        <mc:Fallback xmlns="">
           <p:sp>
             <p:nvSpPr>
               <p:cNvPr id="42" name="ZoneTexte 41">
@@ -12506,8 +13562,8 @@
           </a:p>
         </p:txBody>
       </p:sp>
-      <mc:AlternateContent xmlns:mc="http://schemas.openxmlformats.org/markup-compatibility/2006">
-        <mc:Choice xmlns:a14="http://schemas.microsoft.com/office/drawing/2010/main" Requires="a14">
+      <mc:AlternateContent xmlns:mc="http://schemas.openxmlformats.org/markup-compatibility/2006" xmlns:a14="http://schemas.microsoft.com/office/drawing/2010/main">
+        <mc:Choice Requires="a14">
           <p:sp>
             <p:nvSpPr>
               <p:cNvPr id="51" name="ZoneTexte 50">
@@ -12618,7 +13674,7 @@
             </p:txBody>
           </p:sp>
         </mc:Choice>
-        <mc:Fallback>
+        <mc:Fallback xmlns="">
           <p:sp>
             <p:nvSpPr>
               <p:cNvPr id="51" name="ZoneTexte 50">
@@ -12724,8 +13780,8 @@
           </a:p>
         </p:txBody>
       </p:sp>
-      <mc:AlternateContent xmlns:mc="http://schemas.openxmlformats.org/markup-compatibility/2006">
-        <mc:Choice xmlns:a14="http://schemas.microsoft.com/office/drawing/2010/main" Requires="a14">
+      <mc:AlternateContent xmlns:mc="http://schemas.openxmlformats.org/markup-compatibility/2006" xmlns:a14="http://schemas.microsoft.com/office/drawing/2010/main">
+        <mc:Choice Requires="a14">
           <p:sp>
             <p:nvSpPr>
               <p:cNvPr id="53" name="ZoneTexte 52">
@@ -12836,7 +13892,7 @@
             </p:txBody>
           </p:sp>
         </mc:Choice>
-        <mc:Fallback>
+        <mc:Fallback xmlns="">
           <p:sp>
             <p:nvSpPr>
               <p:cNvPr id="53" name="ZoneTexte 52">
@@ -12881,8 +13937,8 @@
           </p:sp>
         </mc:Fallback>
       </mc:AlternateContent>
-      <mc:AlternateContent xmlns:mc="http://schemas.openxmlformats.org/markup-compatibility/2006">
-        <mc:Choice xmlns:a14="http://schemas.microsoft.com/office/drawing/2010/main" Requires="a14">
+      <mc:AlternateContent xmlns:mc="http://schemas.openxmlformats.org/markup-compatibility/2006" xmlns:a14="http://schemas.microsoft.com/office/drawing/2010/main">
+        <mc:Choice Requires="a14">
           <p:sp>
             <p:nvSpPr>
               <p:cNvPr id="32" name="ZoneTexte 31">
@@ -12994,7 +14050,7 @@
             </p:txBody>
           </p:sp>
         </mc:Choice>
-        <mc:Fallback>
+        <mc:Fallback xmlns="">
           <p:sp>
             <p:nvSpPr>
               <p:cNvPr id="32" name="ZoneTexte 31">
@@ -13039,8 +14095,8 @@
           </p:sp>
         </mc:Fallback>
       </mc:AlternateContent>
-      <mc:AlternateContent xmlns:mc="http://schemas.openxmlformats.org/markup-compatibility/2006">
-        <mc:Choice xmlns:a14="http://schemas.microsoft.com/office/drawing/2010/main" Requires="a14">
+      <mc:AlternateContent xmlns:mc="http://schemas.openxmlformats.org/markup-compatibility/2006" xmlns:a14="http://schemas.microsoft.com/office/drawing/2010/main">
+        <mc:Choice Requires="a14">
           <p:sp>
             <p:nvSpPr>
               <p:cNvPr id="36" name="ZoneTexte 35">
@@ -13158,7 +14214,7 @@
             </p:txBody>
           </p:sp>
         </mc:Choice>
-        <mc:Fallback>
+        <mc:Fallback xmlns="">
           <p:sp>
             <p:nvSpPr>
               <p:cNvPr id="36" name="ZoneTexte 35">
@@ -13203,8 +14259,8 @@
           </p:sp>
         </mc:Fallback>
       </mc:AlternateContent>
-      <mc:AlternateContent xmlns:mc="http://schemas.openxmlformats.org/markup-compatibility/2006">
-        <mc:Choice xmlns:a14="http://schemas.microsoft.com/office/drawing/2010/main" Requires="a14">
+      <mc:AlternateContent xmlns:mc="http://schemas.openxmlformats.org/markup-compatibility/2006" xmlns:a14="http://schemas.microsoft.com/office/drawing/2010/main">
+        <mc:Choice Requires="a14">
           <p:sp>
             <p:nvSpPr>
               <p:cNvPr id="41" name="ZoneTexte 40">
@@ -13316,7 +14372,7 @@
             </p:txBody>
           </p:sp>
         </mc:Choice>
-        <mc:Fallback>
+        <mc:Fallback xmlns="">
           <p:sp>
             <p:nvSpPr>
               <p:cNvPr id="41" name="ZoneTexte 40">
@@ -13418,8 +14474,8 @@
           </a:p>
         </p:txBody>
       </p:sp>
-      <mc:AlternateContent xmlns:mc="http://schemas.openxmlformats.org/markup-compatibility/2006">
-        <mc:Choice xmlns:a14="http://schemas.microsoft.com/office/drawing/2010/main" Requires="a14">
+      <mc:AlternateContent xmlns:mc="http://schemas.openxmlformats.org/markup-compatibility/2006" xmlns:a14="http://schemas.microsoft.com/office/drawing/2010/main">
+        <mc:Choice Requires="a14">
           <p:sp>
             <p:nvSpPr>
               <p:cNvPr id="44" name="ZoneTexte 43">
@@ -13617,7 +14673,7 @@
             </p:txBody>
           </p:sp>
         </mc:Choice>
-        <mc:Fallback>
+        <mc:Fallback xmlns="">
           <p:sp>
             <p:nvSpPr>
               <p:cNvPr id="44" name="ZoneTexte 43">
@@ -14233,8 +15289,8 @@
           </a:p>
         </p:txBody>
       </p:sp>
-      <mc:AlternateContent xmlns:mc="http://schemas.openxmlformats.org/markup-compatibility/2006">
-        <mc:Choice xmlns:a14="http://schemas.microsoft.com/office/drawing/2010/main" Requires="a14">
+      <mc:AlternateContent xmlns:mc="http://schemas.openxmlformats.org/markup-compatibility/2006" xmlns:a14="http://schemas.microsoft.com/office/drawing/2010/main">
+        <mc:Choice Requires="a14">
           <p:sp>
             <p:nvSpPr>
               <p:cNvPr id="64" name="ZoneTexte 63">
@@ -14432,7 +15488,7 @@
             </p:txBody>
           </p:sp>
         </mc:Choice>
-        <mc:Fallback>
+        <mc:Fallback xmlns="">
           <p:sp>
             <p:nvSpPr>
               <p:cNvPr id="64" name="ZoneTexte 63">
@@ -14705,8 +15761,8 @@
           </a:p>
         </p:txBody>
       </p:sp>
-      <mc:AlternateContent xmlns:mc="http://schemas.openxmlformats.org/markup-compatibility/2006">
-        <mc:Choice xmlns:a14="http://schemas.microsoft.com/office/drawing/2010/main" Requires="a14">
+      <mc:AlternateContent xmlns:mc="http://schemas.openxmlformats.org/markup-compatibility/2006" xmlns:a14="http://schemas.microsoft.com/office/drawing/2010/main">
+        <mc:Choice Requires="a14">
           <p:sp>
             <p:nvSpPr>
               <p:cNvPr id="78" name="ZoneTexte 77">
@@ -14824,7 +15880,7 @@
             </p:txBody>
           </p:sp>
         </mc:Choice>
-        <mc:Fallback>
+        <mc:Fallback xmlns="">
           <p:sp>
             <p:nvSpPr>
               <p:cNvPr id="78" name="ZoneTexte 77">
@@ -14869,8 +15925,8 @@
           </p:sp>
         </mc:Fallback>
       </mc:AlternateContent>
-      <mc:AlternateContent xmlns:mc="http://schemas.openxmlformats.org/markup-compatibility/2006">
-        <mc:Choice xmlns:a14="http://schemas.microsoft.com/office/drawing/2010/main" Requires="a14">
+      <mc:AlternateContent xmlns:mc="http://schemas.openxmlformats.org/markup-compatibility/2006" xmlns:a14="http://schemas.microsoft.com/office/drawing/2010/main">
+        <mc:Choice Requires="a14">
           <p:sp>
             <p:nvSpPr>
               <p:cNvPr id="79" name="ZoneTexte 78">
@@ -14994,7 +16050,7 @@
             </p:txBody>
           </p:sp>
         </mc:Choice>
-        <mc:Fallback>
+        <mc:Fallback xmlns="">
           <p:sp>
             <p:nvSpPr>
               <p:cNvPr id="79" name="ZoneTexte 78">
@@ -15039,8 +16095,8 @@
           </p:sp>
         </mc:Fallback>
       </mc:AlternateContent>
-      <mc:AlternateContent xmlns:mc="http://schemas.openxmlformats.org/markup-compatibility/2006">
-        <mc:Choice xmlns:a14="http://schemas.microsoft.com/office/drawing/2010/main" Requires="a14">
+      <mc:AlternateContent xmlns:mc="http://schemas.openxmlformats.org/markup-compatibility/2006" xmlns:a14="http://schemas.microsoft.com/office/drawing/2010/main">
+        <mc:Choice Requires="a14">
           <p:sp>
             <p:nvSpPr>
               <p:cNvPr id="80" name="ZoneTexte 79">
@@ -15158,7 +16214,7 @@
             </p:txBody>
           </p:sp>
         </mc:Choice>
-        <mc:Fallback>
+        <mc:Fallback xmlns="">
           <p:sp>
             <p:nvSpPr>
               <p:cNvPr id="80" name="ZoneTexte 79">
@@ -15462,8 +16518,8 @@
           </a:fontRef>
         </p:style>
       </p:cxnSp>
-      <mc:AlternateContent xmlns:mc="http://schemas.openxmlformats.org/markup-compatibility/2006">
-        <mc:Choice xmlns:a14="http://schemas.microsoft.com/office/drawing/2010/main" Requires="a14">
+      <mc:AlternateContent xmlns:mc="http://schemas.openxmlformats.org/markup-compatibility/2006" xmlns:a14="http://schemas.microsoft.com/office/drawing/2010/main">
+        <mc:Choice Requires="a14">
           <p:sp>
             <p:nvSpPr>
               <p:cNvPr id="71" name="ZoneTexte 70">
@@ -15565,7 +16621,7 @@
             </p:txBody>
           </p:sp>
         </mc:Choice>
-        <mc:Fallback>
+        <mc:Fallback xmlns="">
           <p:sp>
             <p:nvSpPr>
               <p:cNvPr id="71" name="ZoneTexte 70">
@@ -15700,8 +16756,8 @@
           </a:fontRef>
         </p:style>
       </p:cxnSp>
-      <mc:AlternateContent xmlns:mc="http://schemas.openxmlformats.org/markup-compatibility/2006">
-        <mc:Choice xmlns:a14="http://schemas.microsoft.com/office/drawing/2010/main" Requires="a14">
+      <mc:AlternateContent xmlns:mc="http://schemas.openxmlformats.org/markup-compatibility/2006" xmlns:a14="http://schemas.microsoft.com/office/drawing/2010/main">
+        <mc:Choice Requires="a14">
           <p:sp>
             <p:nvSpPr>
               <p:cNvPr id="74" name="ZoneTexte 73">
@@ -15810,7 +16866,7 @@
             </p:txBody>
           </p:sp>
         </mc:Choice>
-        <mc:Fallback>
+        <mc:Fallback xmlns="">
           <p:sp>
             <p:nvSpPr>
               <p:cNvPr id="74" name="ZoneTexte 73">
@@ -15899,8 +16955,8 @@
           </a:fontRef>
         </p:style>
       </p:cxnSp>
-      <mc:AlternateContent xmlns:mc="http://schemas.openxmlformats.org/markup-compatibility/2006">
-        <mc:Choice xmlns:a14="http://schemas.microsoft.com/office/drawing/2010/main" Requires="a14">
+      <mc:AlternateContent xmlns:mc="http://schemas.openxmlformats.org/markup-compatibility/2006" xmlns:a14="http://schemas.microsoft.com/office/drawing/2010/main">
+        <mc:Choice Requires="a14">
           <p:sp>
             <p:nvSpPr>
               <p:cNvPr id="76" name="ZoneTexte 75">
@@ -15980,7 +17036,7 @@
             </p:txBody>
           </p:sp>
         </mc:Choice>
-        <mc:Fallback>
+        <mc:Fallback xmlns="">
           <p:sp>
             <p:nvSpPr>
               <p:cNvPr id="76" name="ZoneTexte 75">
@@ -16070,8 +17126,8 @@
           </a:fontRef>
         </p:style>
       </p:cxnSp>
-      <mc:AlternateContent xmlns:mc="http://schemas.openxmlformats.org/markup-compatibility/2006">
-        <mc:Choice xmlns:a14="http://schemas.microsoft.com/office/drawing/2010/main" Requires="a14">
+      <mc:AlternateContent xmlns:mc="http://schemas.openxmlformats.org/markup-compatibility/2006" xmlns:a14="http://schemas.microsoft.com/office/drawing/2010/main">
+        <mc:Choice Requires="a14">
           <p:sp>
             <p:nvSpPr>
               <p:cNvPr id="78" name="ZoneTexte 77">
@@ -16181,7 +17237,7 @@
             </p:txBody>
           </p:sp>
         </mc:Choice>
-        <mc:Fallback>
+        <mc:Fallback xmlns="">
           <p:sp>
             <p:nvSpPr>
               <p:cNvPr id="78" name="ZoneTexte 77">
@@ -16519,8 +17575,8 @@
           </a:p>
         </p:txBody>
       </p:sp>
-      <mc:AlternateContent xmlns:mc="http://schemas.openxmlformats.org/markup-compatibility/2006">
-        <mc:Choice xmlns:a14="http://schemas.microsoft.com/office/drawing/2010/main" Requires="a14">
+      <mc:AlternateContent xmlns:mc="http://schemas.openxmlformats.org/markup-compatibility/2006" xmlns:a14="http://schemas.microsoft.com/office/drawing/2010/main">
+        <mc:Choice Requires="a14">
           <p:sp>
             <p:nvSpPr>
               <p:cNvPr id="84" name="ZoneTexte 83">
@@ -16622,7 +17678,7 @@
             </p:txBody>
           </p:sp>
         </mc:Choice>
-        <mc:Fallback>
+        <mc:Fallback xmlns="">
           <p:sp>
             <p:nvSpPr>
               <p:cNvPr id="84" name="ZoneTexte 83">
@@ -16788,8 +17844,8 @@
           </a:fontRef>
         </p:style>
       </p:cxnSp>
-      <mc:AlternateContent xmlns:mc="http://schemas.openxmlformats.org/markup-compatibility/2006">
-        <mc:Choice xmlns:a14="http://schemas.microsoft.com/office/drawing/2010/main" Requires="a14">
+      <mc:AlternateContent xmlns:mc="http://schemas.openxmlformats.org/markup-compatibility/2006" xmlns:a14="http://schemas.microsoft.com/office/drawing/2010/main">
+        <mc:Choice Requires="a14">
           <p:sp>
             <p:nvSpPr>
               <p:cNvPr id="88" name="ZoneTexte 87">
@@ -16905,7 +17961,7 @@
             </p:txBody>
           </p:sp>
         </mc:Choice>
-        <mc:Fallback>
+        <mc:Fallback xmlns="">
           <p:sp>
             <p:nvSpPr>
               <p:cNvPr id="88" name="ZoneTexte 87">
@@ -17139,8 +18195,8 @@
           </a:p>
         </p:txBody>
       </p:sp>
-      <mc:AlternateContent xmlns:mc="http://schemas.openxmlformats.org/markup-compatibility/2006">
-        <mc:Choice xmlns:a14="http://schemas.microsoft.com/office/drawing/2010/main" Requires="a14">
+      <mc:AlternateContent xmlns:mc="http://schemas.openxmlformats.org/markup-compatibility/2006" xmlns:a14="http://schemas.microsoft.com/office/drawing/2010/main">
+        <mc:Choice Requires="a14">
           <p:sp>
             <p:nvSpPr>
               <p:cNvPr id="92" name="ZoneTexte 91">
@@ -17251,7 +18307,7 @@
             </p:txBody>
           </p:sp>
         </mc:Choice>
-        <mc:Fallback>
+        <mc:Fallback xmlns="">
           <p:sp>
             <p:nvSpPr>
               <p:cNvPr id="92" name="ZoneTexte 91">
@@ -17357,8 +18413,8 @@
           </a:p>
         </p:txBody>
       </p:sp>
-      <mc:AlternateContent xmlns:mc="http://schemas.openxmlformats.org/markup-compatibility/2006">
-        <mc:Choice xmlns:a14="http://schemas.microsoft.com/office/drawing/2010/main" Requires="a14">
+      <mc:AlternateContent xmlns:mc="http://schemas.openxmlformats.org/markup-compatibility/2006" xmlns:a14="http://schemas.microsoft.com/office/drawing/2010/main">
+        <mc:Choice Requires="a14">
           <p:sp>
             <p:nvSpPr>
               <p:cNvPr id="94" name="ZoneTexte 93">
@@ -17469,7 +18525,7 @@
             </p:txBody>
           </p:sp>
         </mc:Choice>
-        <mc:Fallback>
+        <mc:Fallback xmlns="">
           <p:sp>
             <p:nvSpPr>
               <p:cNvPr id="94" name="ZoneTexte 93">
@@ -17514,8 +18570,8 @@
           </p:sp>
         </mc:Fallback>
       </mc:AlternateContent>
-      <mc:AlternateContent xmlns:mc="http://schemas.openxmlformats.org/markup-compatibility/2006">
-        <mc:Choice xmlns:a14="http://schemas.microsoft.com/office/drawing/2010/main" Requires="a14">
+      <mc:AlternateContent xmlns:mc="http://schemas.openxmlformats.org/markup-compatibility/2006" xmlns:a14="http://schemas.microsoft.com/office/drawing/2010/main">
+        <mc:Choice Requires="a14">
           <p:sp>
             <p:nvSpPr>
               <p:cNvPr id="95" name="ZoneTexte 94">
@@ -17627,7 +18683,7 @@
             </p:txBody>
           </p:sp>
         </mc:Choice>
-        <mc:Fallback>
+        <mc:Fallback xmlns="">
           <p:sp>
             <p:nvSpPr>
               <p:cNvPr id="95" name="ZoneTexte 94">
@@ -17672,8 +18728,8 @@
           </p:sp>
         </mc:Fallback>
       </mc:AlternateContent>
-      <mc:AlternateContent xmlns:mc="http://schemas.openxmlformats.org/markup-compatibility/2006">
-        <mc:Choice xmlns:a14="http://schemas.microsoft.com/office/drawing/2010/main" Requires="a14">
+      <mc:AlternateContent xmlns:mc="http://schemas.openxmlformats.org/markup-compatibility/2006" xmlns:a14="http://schemas.microsoft.com/office/drawing/2010/main">
+        <mc:Choice Requires="a14">
           <p:sp>
             <p:nvSpPr>
               <p:cNvPr id="96" name="ZoneTexte 95">
@@ -17791,7 +18847,7 @@
             </p:txBody>
           </p:sp>
         </mc:Choice>
-        <mc:Fallback>
+        <mc:Fallback xmlns="">
           <p:sp>
             <p:nvSpPr>
               <p:cNvPr id="96" name="ZoneTexte 95">
@@ -17836,8 +18892,8 @@
           </p:sp>
         </mc:Fallback>
       </mc:AlternateContent>
-      <mc:AlternateContent xmlns:mc="http://schemas.openxmlformats.org/markup-compatibility/2006">
-        <mc:Choice xmlns:a14="http://schemas.microsoft.com/office/drawing/2010/main" Requires="a14">
+      <mc:AlternateContent xmlns:mc="http://schemas.openxmlformats.org/markup-compatibility/2006" xmlns:a14="http://schemas.microsoft.com/office/drawing/2010/main">
+        <mc:Choice Requires="a14">
           <p:sp>
             <p:nvSpPr>
               <p:cNvPr id="97" name="ZoneTexte 96">
@@ -17949,7 +19005,7 @@
             </p:txBody>
           </p:sp>
         </mc:Choice>
-        <mc:Fallback>
+        <mc:Fallback xmlns="">
           <p:sp>
             <p:nvSpPr>
               <p:cNvPr id="97" name="ZoneTexte 96">
@@ -18051,8 +19107,8 @@
           </a:p>
         </p:txBody>
       </p:sp>
-      <mc:AlternateContent xmlns:mc="http://schemas.openxmlformats.org/markup-compatibility/2006">
-        <mc:Choice xmlns:a14="http://schemas.microsoft.com/office/drawing/2010/main" Requires="a14">
+      <mc:AlternateContent xmlns:mc="http://schemas.openxmlformats.org/markup-compatibility/2006" xmlns:a14="http://schemas.microsoft.com/office/drawing/2010/main">
+        <mc:Choice Requires="a14">
           <p:sp>
             <p:nvSpPr>
               <p:cNvPr id="99" name="ZoneTexte 98">
@@ -18250,7 +19306,7 @@
             </p:txBody>
           </p:sp>
         </mc:Choice>
-        <mc:Fallback>
+        <mc:Fallback xmlns="">
           <p:sp>
             <p:nvSpPr>
               <p:cNvPr id="99" name="ZoneTexte 98">
@@ -18866,8 +19922,8 @@
           </a:p>
         </p:txBody>
       </p:sp>
-      <mc:AlternateContent xmlns:mc="http://schemas.openxmlformats.org/markup-compatibility/2006">
-        <mc:Choice xmlns:a14="http://schemas.microsoft.com/office/drawing/2010/main" Requires="a14">
+      <mc:AlternateContent xmlns:mc="http://schemas.openxmlformats.org/markup-compatibility/2006" xmlns:a14="http://schemas.microsoft.com/office/drawing/2010/main">
+        <mc:Choice Requires="a14">
           <p:sp>
             <p:nvSpPr>
               <p:cNvPr id="113" name="ZoneTexte 112">
@@ -19065,7 +20121,7 @@
             </p:txBody>
           </p:sp>
         </mc:Choice>
-        <mc:Fallback>
+        <mc:Fallback xmlns="">
           <p:sp>
             <p:nvSpPr>
               <p:cNvPr id="113" name="ZoneTexte 112">
@@ -19338,8 +20394,8 @@
           </a:p>
         </p:txBody>
       </p:sp>
-      <mc:AlternateContent xmlns:mc="http://schemas.openxmlformats.org/markup-compatibility/2006">
-        <mc:Choice xmlns:a14="http://schemas.microsoft.com/office/drawing/2010/main" Requires="a14">
+      <mc:AlternateContent xmlns:mc="http://schemas.openxmlformats.org/markup-compatibility/2006" xmlns:a14="http://schemas.microsoft.com/office/drawing/2010/main">
+        <mc:Choice Requires="a14">
           <p:sp>
             <p:nvSpPr>
               <p:cNvPr id="118" name="ZoneTexte 117">
@@ -19457,7 +20513,7 @@
             </p:txBody>
           </p:sp>
         </mc:Choice>
-        <mc:Fallback>
+        <mc:Fallback xmlns="">
           <p:sp>
             <p:nvSpPr>
               <p:cNvPr id="118" name="ZoneTexte 117">
@@ -19502,8 +20558,8 @@
           </p:sp>
         </mc:Fallback>
       </mc:AlternateContent>
-      <mc:AlternateContent xmlns:mc="http://schemas.openxmlformats.org/markup-compatibility/2006">
-        <mc:Choice xmlns:a14="http://schemas.microsoft.com/office/drawing/2010/main" Requires="a14">
+      <mc:AlternateContent xmlns:mc="http://schemas.openxmlformats.org/markup-compatibility/2006" xmlns:a14="http://schemas.microsoft.com/office/drawing/2010/main">
+        <mc:Choice Requires="a14">
           <p:sp>
             <p:nvSpPr>
               <p:cNvPr id="119" name="ZoneTexte 118">
@@ -19627,7 +20683,7 @@
             </p:txBody>
           </p:sp>
         </mc:Choice>
-        <mc:Fallback>
+        <mc:Fallback xmlns="">
           <p:sp>
             <p:nvSpPr>
               <p:cNvPr id="119" name="ZoneTexte 118">
@@ -19672,8 +20728,8 @@
           </p:sp>
         </mc:Fallback>
       </mc:AlternateContent>
-      <mc:AlternateContent xmlns:mc="http://schemas.openxmlformats.org/markup-compatibility/2006">
-        <mc:Choice xmlns:a14="http://schemas.microsoft.com/office/drawing/2010/main" Requires="a14">
+      <mc:AlternateContent xmlns:mc="http://schemas.openxmlformats.org/markup-compatibility/2006" xmlns:a14="http://schemas.microsoft.com/office/drawing/2010/main">
+        <mc:Choice Requires="a14">
           <p:sp>
             <p:nvSpPr>
               <p:cNvPr id="120" name="ZoneTexte 119">
@@ -19791,7 +20847,7 @@
             </p:txBody>
           </p:sp>
         </mc:Choice>
-        <mc:Fallback>
+        <mc:Fallback xmlns="">
           <p:sp>
             <p:nvSpPr>
               <p:cNvPr id="120" name="ZoneTexte 119">
